--- a/Báo cáo cuối kỳ/15. Interpreter/Slide.pptx
+++ b/Báo cáo cuối kỳ/15. Interpreter/Slide.pptx
@@ -5879,44 +5879,76 @@
               <a:t> </a:t>
             </a:r>
             <a:r>
+              <a:rPr lang="vi-VN" dirty="0"/>
+              <a:t>Hệ thống Mirrors được viết bởi Hans Lombard và được dựa trên </a:t>
+            </a:r>
+            <a:r>
               <a:rPr lang="vi-VN" dirty="0" smtClean="0"/>
-              <a:t>Ứng </a:t>
-            </a:r>
-            <a:r>
-              <a:rPr lang="vi-VN" dirty="0"/>
-              <a:t>dụng kinh điển là hệ thống trình đơn nơi mỗi đối tượng command mô tả một hành động và một hành động có thể “undo” có liên quan. Các hành động của trình đơn bao gồm các menu item như File | Open, File | Save, Edit | Copy… mỗi menu item được gắn với đối tượng command của nó</a:t>
-            </a:r>
-            <a:r>
-              <a:rPr lang="vi-VN" dirty="0" smtClean="0"/>
-              <a:t>.</a:t>
-            </a:r>
-            <a:endParaRPr lang="en-US" dirty="0" smtClean="0"/>
-          </a:p>
-          <a:p>
-            <a:pPr>
-              <a:lnSpc>
-                <a:spcPct val="150000"/>
-              </a:lnSpc>
-              <a:spcBef>
-                <a:spcPts val="0"/>
-              </a:spcBef>
-              <a:spcAft>
-                <a:spcPts val="0"/>
-              </a:spcAft>
-              <a:buFont typeface="Courier New" panose="02070309020205020404" pitchFamily="49" charset="0"/>
-              <a:buChar char="o"/>
-            </a:pPr>
+              <a:t>một</a:t>
+            </a:r>
             <a:r>
               <a:rPr lang="en-US" dirty="0" smtClean="0"/>
               <a:t> </a:t>
             </a:r>
             <a:r>
               <a:rPr lang="vi-VN" dirty="0" smtClean="0"/>
-              <a:t>Tất </a:t>
+              <a:t>trình </a:t>
             </a:r>
             <a:r>
               <a:rPr lang="vi-VN" dirty="0"/>
-              <a:t>cả Command thực thi cùng interface, vì thế chúng có thể được xử lý một cách đa hình. Thông thường, interface của chúng gồm các phương thức chẳng ạn như Do và Undo (hoặc Execute và Undo)</a:t>
+              <a:t>thông dịch gọi là Views, mà Nigel Horspool, D-J Miller phát </a:t>
+            </a:r>
+            <a:r>
+              <a:rPr lang="vi-VN" dirty="0" smtClean="0"/>
+              <a:t>triển</a:t>
+            </a:r>
+            <a:r>
+              <a:rPr lang="en-US" dirty="0" smtClean="0"/>
+              <a:t> </a:t>
+            </a:r>
+            <a:r>
+              <a:rPr lang="vi-VN" dirty="0" smtClean="0"/>
+              <a:t>trước </a:t>
+            </a:r>
+            <a:r>
+              <a:rPr lang="vi-VN" dirty="0"/>
+              <a:t>khi Windows Forms đã có sẵn với .NET trên Linux và Mac </a:t>
+            </a:r>
+            <a:r>
+              <a:rPr lang="vi-VN" dirty="0" smtClean="0"/>
+              <a:t>OS</a:t>
+            </a:r>
+            <a:r>
+              <a:rPr lang="en-US" dirty="0" smtClean="0"/>
+              <a:t> </a:t>
+            </a:r>
+            <a:r>
+              <a:rPr lang="vi-VN" dirty="0" smtClean="0"/>
+              <a:t>X</a:t>
+            </a:r>
+            <a:r>
+              <a:rPr lang="vi-VN" dirty="0"/>
+              <a:t>. Các ký hiệu Views là một XML cách điệu, và interpreter chứa </a:t>
+            </a:r>
+            <a:r>
+              <a:rPr lang="vi-VN" dirty="0" smtClean="0"/>
+              <a:t>một</a:t>
+            </a:r>
+            <a:r>
+              <a:rPr lang="en-US" dirty="0" smtClean="0"/>
+              <a:t> </a:t>
+            </a:r>
+            <a:r>
+              <a:rPr lang="vi-VN" dirty="0" smtClean="0"/>
+              <a:t>bộ </a:t>
+            </a:r>
+            <a:r>
+              <a:rPr lang="vi-VN" dirty="0"/>
+              <a:t>phân tích cú pháp và một cơ chế (engine</a:t>
+            </a:r>
+            <a:r>
+              <a:rPr lang="vi-VN" dirty="0" smtClean="0"/>
+              <a:t>).</a:t>
             </a:r>
             <a:endParaRPr lang="en-US" dirty="0"/>
           </a:p>
@@ -6018,28 +6050,26 @@
               <a:spcAft>
                 <a:spcPts val="0"/>
               </a:spcAft>
+              <a:buFont typeface="Courier New" panose="02070309020205020404" pitchFamily="49" charset="0"/>
+              <a:buChar char="o"/>
             </a:pPr>
             <a:r>
               <a:rPr lang="en-US" dirty="0" smtClean="0"/>
-              <a:t>- </a:t>
+              <a:t> </a:t>
             </a:r>
             <a:r>
               <a:rPr lang="vi-VN" dirty="0" smtClean="0"/>
-              <a:t>Một </a:t>
-            </a:r>
-            <a:r>
-              <a:rPr lang="vi-VN" b="1" dirty="0"/>
-              <a:t>Composite</a:t>
+              <a:t>Composite </a:t>
             </a:r>
             <a:r>
               <a:rPr lang="vi-VN" dirty="0"/>
-              <a:t> có thể được sử dụng để cài đặt các </a:t>
+              <a:t>Pattern: Đặc tả cứ pháp trừu tượng của </a:t>
             </a:r>
             <a:r>
               <a:rPr lang="vi-VN" dirty="0" smtClean="0"/>
-              <a:t>MacroCommands</a:t>
-            </a:r>
-            <a:endParaRPr lang="en-US" dirty="0" smtClean="0"/>
+              <a:t>mẫu</a:t>
+            </a:r>
+            <a:endParaRPr lang="vi-VN" dirty="0"/>
           </a:p>
           <a:p>
             <a:pPr>
@@ -6052,23 +6082,118 @@
               <a:spcAft>
                 <a:spcPts val="0"/>
               </a:spcAft>
+              <a:buFont typeface="Courier New" panose="02070309020205020404" pitchFamily="49" charset="0"/>
+              <a:buChar char="o"/>
             </a:pPr>
             <a:r>
               <a:rPr lang="en-US" dirty="0" smtClean="0"/>
-              <a:t>- </a:t>
+              <a:t> </a:t>
             </a:r>
             <a:r>
               <a:rPr lang="vi-VN" dirty="0" smtClean="0"/>
-              <a:t>Một </a:t>
-            </a:r>
-            <a:r>
-              <a:rPr lang="vi-VN" b="1" dirty="0"/>
-              <a:t>Memmento</a:t>
+              <a:t>Flyweight </a:t>
             </a:r>
             <a:r>
               <a:rPr lang="vi-VN" dirty="0"/>
-              <a:t> có thể lưu lại các trạng thái để Command yêu cầu phục hồi lại các hiệu ứng của nó. Một command phải được sao lưu trước khi nó được thay thế bằng các hành động trước đó như là một Prototype.</a:t>
-            </a:r>
+              <a:t>Pattern: Chỉ ra cách chia sẻ ký pháp đầu cuối trong </a:t>
+            </a:r>
+            <a:r>
+              <a:rPr lang="vi-VN" dirty="0" smtClean="0"/>
+              <a:t>phạm</a:t>
+            </a:r>
+            <a:r>
+              <a:rPr lang="en-US" dirty="0" smtClean="0"/>
+              <a:t> </a:t>
+            </a:r>
+            <a:r>
+              <a:rPr lang="vi-VN" dirty="0" smtClean="0"/>
+              <a:t>vi </a:t>
+            </a:r>
+            <a:r>
+              <a:rPr lang="vi-VN" dirty="0"/>
+              <a:t>của cây cú pháp trừu tượng</a:t>
+            </a:r>
+            <a:r>
+              <a:rPr lang="vi-VN" dirty="0" smtClean="0"/>
+              <a:t>.</a:t>
+            </a:r>
+            <a:endParaRPr lang="vi-VN" dirty="0"/>
+          </a:p>
+          <a:p>
+            <a:pPr>
+              <a:lnSpc>
+                <a:spcPct val="150000"/>
+              </a:lnSpc>
+              <a:spcBef>
+                <a:spcPts val="0"/>
+              </a:spcBef>
+              <a:spcAft>
+                <a:spcPts val="0"/>
+              </a:spcAft>
+              <a:buFont typeface="Courier New" panose="02070309020205020404" pitchFamily="49" charset="0"/>
+              <a:buChar char="o"/>
+            </a:pPr>
+            <a:r>
+              <a:rPr lang="en-US" dirty="0" smtClean="0"/>
+              <a:t> </a:t>
+            </a:r>
+            <a:r>
+              <a:rPr lang="vi-VN" dirty="0" smtClean="0"/>
+              <a:t>Interpreter </a:t>
+            </a:r>
+            <a:r>
+              <a:rPr lang="vi-VN" dirty="0"/>
+              <a:t>Pattern: Sử dụng một Iterator để duyệt cấu trúc</a:t>
+            </a:r>
+            <a:r>
+              <a:rPr lang="vi-VN" dirty="0" smtClean="0"/>
+              <a:t>.</a:t>
+            </a:r>
+            <a:endParaRPr lang="vi-VN" dirty="0"/>
+          </a:p>
+          <a:p>
+            <a:pPr>
+              <a:lnSpc>
+                <a:spcPct val="150000"/>
+              </a:lnSpc>
+              <a:spcBef>
+                <a:spcPts val="0"/>
+              </a:spcBef>
+              <a:spcAft>
+                <a:spcPts val="0"/>
+              </a:spcAft>
+              <a:buFont typeface="Courier New" panose="02070309020205020404" pitchFamily="49" charset="0"/>
+              <a:buChar char="o"/>
+            </a:pPr>
+            <a:r>
+              <a:rPr lang="en-US" dirty="0" smtClean="0"/>
+              <a:t> </a:t>
+            </a:r>
+            <a:r>
+              <a:rPr lang="vi-VN" dirty="0" smtClean="0"/>
+              <a:t>Visitor </a:t>
+            </a:r>
+            <a:r>
+              <a:rPr lang="vi-VN" dirty="0"/>
+              <a:t>Pattern: Sử dụng để duy trì hành vi trên mỗi nút trong cây </a:t>
+            </a:r>
+            <a:r>
+              <a:rPr lang="vi-VN" dirty="0" smtClean="0"/>
+              <a:t>cú</a:t>
+            </a:r>
+            <a:r>
+              <a:rPr lang="en-US" dirty="0" smtClean="0"/>
+              <a:t> </a:t>
+            </a:r>
+            <a:r>
+              <a:rPr lang="vi-VN" dirty="0" smtClean="0"/>
+              <a:t>pháp </a:t>
+            </a:r>
+            <a:r>
+              <a:rPr lang="vi-VN" dirty="0"/>
+              <a:t>trừu tượng của lớp.</a:t>
+            </a:r>
+            <a:endParaRPr lang="vi-VN" dirty="0"/>
           </a:p>
         </p:txBody>
       </p:sp>
@@ -6280,7 +6405,28 @@
               <a:rPr lang="en-US" sz="2000" dirty="0" smtClean="0">
                 <a:latin typeface="Constantia" panose="02030602050306030303" pitchFamily="18" charset="0"/>
               </a:rPr>
-              <a:t>Không</a:t>
+              <a:t>Interpreteur</a:t>
+            </a:r>
+          </a:p>
+          <a:p>
+            <a:pPr marL="285750" indent="-285750">
+              <a:lnSpc>
+                <a:spcPct val="150000"/>
+              </a:lnSpc>
+              <a:spcBef>
+                <a:spcPts val="0"/>
+              </a:spcBef>
+              <a:spcAft>
+                <a:spcPts val="0"/>
+              </a:spcAft>
+              <a:buFontTx/>
+              <a:buChar char="-"/>
+            </a:pPr>
+            <a:r>
+              <a:rPr lang="en-US" sz="2000" dirty="0">
+                <a:latin typeface="Constantia" panose="02030602050306030303" pitchFamily="18" charset="0"/>
+              </a:rPr>
+              <a:t>Tần suất sử dụng: thấp</a:t>
             </a:r>
             <a:endParaRPr lang="en-US" sz="2000" dirty="0">
               <a:latin typeface="Constantia" panose="02030602050306030303" pitchFamily="18" charset="0"/>
@@ -6575,7 +6721,7 @@
 </file>
 
 <file path=ppt/slides/slide5.xml><?xml version="1.0" encoding="utf-8"?>
-<p:sld xmlns:a="http://schemas.openxmlformats.org/drawingml/2006/main" xmlns:r="http://schemas.openxmlformats.org/officeDocument/2006/relationships" xmlns:p="http://schemas.openxmlformats.org/presentationml/2006/main" show="0">
+<p:sld xmlns:a="http://schemas.openxmlformats.org/drawingml/2006/main" xmlns:r="http://schemas.openxmlformats.org/officeDocument/2006/relationships" xmlns:p="http://schemas.openxmlformats.org/presentationml/2006/main">
   <p:cSld>
     <p:spTree>
       <p:nvGrpSpPr>
@@ -6626,7 +6772,7 @@
         <p:spPr>
           <a:xfrm>
             <a:off x="1217611" y="1845734"/>
-            <a:ext cx="9601201" cy="4097866"/>
+            <a:ext cx="9935164" cy="4097866"/>
           </a:xfrm>
         </p:spPr>
         <p:txBody>
@@ -6648,13 +6794,45 @@
             </a:pPr>
             <a:r>
               <a:rPr lang="vi-VN" sz="2000" dirty="0"/>
-              <a:t>Mô hình command là một mô hình được áp dụng rộng rãi trong hầu hết các ựng dụng. Một trong những cái nhìn rõ nhất chính là thao tác Save, Cut, Paste trong các ứng </a:t>
+              <a:t>Sử dụng mẫu Interpreter khi cần phiên dịch một ngôn ngữ mà ta có </a:t>
             </a:r>
             <a:r>
               <a:rPr lang="vi-VN" sz="2000" dirty="0" smtClean="0"/>
-              <a:t>dụng</a:t>
-            </a:r>
-            <a:endParaRPr lang="en-US" sz="2000" dirty="0" smtClean="0"/>
+              <a:t>thể</a:t>
+            </a:r>
+            <a:r>
+              <a:rPr lang="en-US" sz="2000" dirty="0" smtClean="0"/>
+              <a:t> </a:t>
+            </a:r>
+            <a:r>
+              <a:rPr lang="vi-VN" sz="2000" dirty="0" smtClean="0"/>
+              <a:t>miêu </a:t>
+            </a:r>
+            <a:r>
+              <a:rPr lang="vi-VN" sz="2000" dirty="0"/>
+              <a:t>tả các câu bằng cầu trúc cây cú pháp. Mẫu này hoạt động </a:t>
+            </a:r>
+            <a:r>
+              <a:rPr lang="vi-VN" sz="2000" dirty="0" smtClean="0"/>
+              <a:t>hiệu</a:t>
+            </a:r>
+            <a:r>
+              <a:rPr lang="en-US" sz="2000" dirty="0" smtClean="0"/>
+              <a:t> </a:t>
+            </a:r>
+            <a:r>
+              <a:rPr lang="vi-VN" sz="2000" dirty="0" smtClean="0"/>
+              <a:t>quả </a:t>
+            </a:r>
+            <a:r>
+              <a:rPr lang="vi-VN" sz="2000" dirty="0"/>
+              <a:t>nhất </a:t>
+            </a:r>
+            <a:r>
+              <a:rPr lang="vi-VN" sz="2000" dirty="0" smtClean="0"/>
+              <a:t>khi:</a:t>
+            </a:r>
+            <a:endParaRPr lang="vi-VN" sz="2000" dirty="0"/>
           </a:p>
           <a:p>
             <a:pPr lvl="1">
@@ -6669,9 +6847,96 @@
               </a:spcAft>
             </a:pPr>
             <a:r>
+              <a:rPr lang="vi-VN" sz="2000" dirty="0"/>
+              <a:t>Cấu trúc ngữ pháp đơn giản. Với các cấu trúc ngữ pháp phức tạp, cấu trúc </a:t>
+            </a:r>
+            <a:r>
+              <a:rPr lang="vi-VN" sz="2000" dirty="0" smtClean="0"/>
+              <a:t>lớp</a:t>
+            </a:r>
+            <a:r>
+              <a:rPr lang="en-US" sz="2000" dirty="0" smtClean="0"/>
+              <a:t> </a:t>
+            </a:r>
+            <a:r>
+              <a:rPr lang="vi-VN" sz="2000" dirty="0" smtClean="0"/>
+              <a:t>của </a:t>
+            </a:r>
+            <a:r>
+              <a:rPr lang="vi-VN" sz="2000" dirty="0"/>
+              <a:t>ngữ pháp trở nên quá lớn và khó kiểm soát, việc tạo ra các cây cú pháp </a:t>
+            </a:r>
+            <a:r>
+              <a:rPr lang="vi-VN" sz="2000" dirty="0" smtClean="0"/>
+              <a:t>sẽ</a:t>
+            </a:r>
+            <a:r>
+              <a:rPr lang="en-US" sz="2000" dirty="0" smtClean="0"/>
+              <a:t> </a:t>
+            </a:r>
+            <a:r>
+              <a:rPr lang="vi-VN" sz="2000" dirty="0" smtClean="0"/>
+              <a:t>tốn </a:t>
+            </a:r>
+            <a:r>
+              <a:rPr lang="vi-VN" sz="2000" dirty="0"/>
+              <a:t>thời gian và bộ nhớ</a:t>
+            </a:r>
+            <a:r>
+              <a:rPr lang="vi-VN" sz="2000" dirty="0" smtClean="0"/>
+              <a:t>.</a:t>
+            </a:r>
+            <a:endParaRPr lang="vi-VN" sz="2000" dirty="0"/>
+          </a:p>
+          <a:p>
+            <a:pPr lvl="1">
+              <a:lnSpc>
+                <a:spcPct val="150000"/>
+              </a:lnSpc>
+              <a:spcBef>
+                <a:spcPts val="0"/>
+              </a:spcBef>
+              <a:spcAft>
+                <a:spcPts val="0"/>
+              </a:spcAft>
+            </a:pPr>
+            <a:r>
+              <a:rPr lang="vi-VN" sz="2000" dirty="0"/>
+              <a:t>Hiệu quả không phải là yếu tốquan trọng nhất. Các cách thức biên dịch </a:t>
+            </a:r>
+            <a:r>
+              <a:rPr lang="vi-VN" sz="2000" dirty="0" smtClean="0"/>
+              <a:t>hiệu</a:t>
+            </a:r>
+            <a:r>
+              <a:rPr lang="en-US" sz="2000" dirty="0" smtClean="0"/>
+              <a:t> </a:t>
+            </a:r>
+            <a:r>
+              <a:rPr lang="vi-VN" sz="2000" dirty="0" smtClean="0"/>
+              <a:t>quả </a:t>
+            </a:r>
+            <a:r>
+              <a:rPr lang="vi-VN" sz="2000" dirty="0"/>
+              <a:t>nhất thường không áp dụng trực tiếp mẫu Interpreter mà phải biến đổi </a:t>
+            </a:r>
+            <a:r>
+              <a:rPr lang="vi-VN" sz="2000" dirty="0" smtClean="0"/>
+              <a:t>các</a:t>
+            </a:r>
+            <a:r>
               <a:rPr lang="en-US" sz="2000" dirty="0"/>
-              <a:t>Ngoài ra command còn là một cách hiệu quả để giáo quá trình giao tiếp giữa các lớp trong các mô hình MVC, hoặc MVVM. Vì nhờ sử dụng Command mà các tầng View-Controller, Model-View, có thể giao tiếp nhau mà hoàn toàn không biết đến nhau. Điều này sẽ làm cho thiết kế trở nên rất linh hoạt.</a:t>
-            </a:r>
+              <a:t> </a:t>
+            </a:r>
+            <a:r>
+              <a:rPr lang="vi-VN" sz="2000" dirty="0" smtClean="0"/>
+              <a:t>biểu </a:t>
+            </a:r>
+            <a:r>
+              <a:rPr lang="vi-VN" sz="2000" dirty="0"/>
+              <a:t>diễn thành các dạng khác trước.</a:t>
+            </a:r>
+            <a:endParaRPr lang="en-US" sz="2000" dirty="0"/>
           </a:p>
         </p:txBody>
       </p:sp>
@@ -6685,13 +6950,13 @@
   <p:clrMapOvr>
     <a:masterClrMapping/>
   </p:clrMapOvr>
-  <mc:AlternateContent xmlns:mc="http://schemas.openxmlformats.org/markup-compatibility/2006" xmlns:p14="http://schemas.microsoft.com/office/powerpoint/2010/main">
-    <mc:Choice Requires="p14">
+  <mc:AlternateContent xmlns:mc="http://schemas.openxmlformats.org/markup-compatibility/2006">
+    <mc:Choice xmlns:p14="http://schemas.microsoft.com/office/powerpoint/2010/main" Requires="p14">
       <p:transition spd="med" p14:dur="700">
         <p:fade/>
       </p:transition>
     </mc:Choice>
-    <mc:Fallback xmlns="">
+    <mc:Fallback>
       <p:transition spd="med">
         <p:fade/>
       </p:transition>
@@ -6738,7 +7003,7 @@
             </a:r>
             <a:r>
               <a:rPr lang="en-US" dirty="0" smtClean="0"/>
-              <a:t>trúc và mối quan hệ</a:t>
+              <a:t>trúc</a:t>
             </a:r>
             <a:endParaRPr lang="en-US" dirty="0"/>
           </a:p>
@@ -6924,7 +7189,7 @@
 </file>
 
 <file path=ppt/slides/slide7.xml><?xml version="1.0" encoding="utf-8"?>
-<p:sld xmlns:a="http://schemas.openxmlformats.org/drawingml/2006/main" xmlns:r="http://schemas.openxmlformats.org/officeDocument/2006/relationships" xmlns:p="http://schemas.openxmlformats.org/presentationml/2006/main" show="0">
+<p:sld xmlns:a="http://schemas.openxmlformats.org/drawingml/2006/main" xmlns:r="http://schemas.openxmlformats.org/officeDocument/2006/relationships" xmlns:p="http://schemas.openxmlformats.org/presentationml/2006/main">
   <p:cSld>
     <p:spTree>
       <p:nvGrpSpPr>
@@ -6957,7 +7222,7 @@
           <a:p>
             <a:r>
               <a:rPr lang="en-US" dirty="0" smtClean="0"/>
-              <a:t>Sơ đồ hoạt động</a:t>
+              <a:t>Mối quan hệ</a:t>
             </a:r>
             <a:endParaRPr lang="en-US" dirty="0"/>
           </a:p>
@@ -6975,8 +7240,8 @@
         </p:nvSpPr>
         <p:spPr>
           <a:xfrm>
-            <a:off x="5180012" y="1845734"/>
-            <a:ext cx="6553201" cy="4326466"/>
+            <a:off x="1096995" y="1845734"/>
+            <a:ext cx="9950418" cy="3716865"/>
           </a:xfrm>
         </p:spPr>
         <p:txBody>
@@ -6997,29 +7262,30 @@
               </a:spcAft>
             </a:pPr>
             <a:r>
-              <a:rPr lang="vi-VN" sz="2000" b="1" dirty="0"/>
-              <a:t>Client</a:t>
-            </a:r>
-            <a:r>
               <a:rPr lang="vi-VN" sz="2000" dirty="0"/>
-              <a:t> tạo ra một đối tượng </a:t>
-            </a:r>
-            <a:r>
-              <a:rPr lang="vi-VN" sz="2000" b="1" dirty="0"/>
-              <a:t>ConcreteCommand</a:t>
+              <a:t>Mỗi một Collection, Array hay Tree được bao phủ bởi một hiện </a:t>
+            </a:r>
+            <a:r>
+              <a:rPr lang="vi-VN" sz="2000" dirty="0" smtClean="0"/>
+              <a:t>thực</a:t>
+            </a:r>
+            <a:r>
+              <a:rPr lang="en-US" sz="2000" dirty="0" smtClean="0"/>
+              <a:t> </a:t>
+            </a:r>
+            <a:r>
+              <a:rPr lang="vi-VN" sz="2000" dirty="0" smtClean="0"/>
+              <a:t>của </a:t>
             </a:r>
             <a:r>
               <a:rPr lang="vi-VN" sz="2000" dirty="0"/>
-              <a:t> và xác định </a:t>
-            </a:r>
-            <a:r>
-              <a:rPr lang="vi-VN" sz="2000" i="1" dirty="0"/>
-              <a:t>receiver</a:t>
-            </a:r>
-            <a:r>
-              <a:rPr lang="vi-VN" sz="2000" dirty="0"/>
-              <a:t> của nó</a:t>
-            </a:r>
+              <a:t>Interface IContainer</a:t>
+            </a:r>
+            <a:r>
+              <a:rPr lang="vi-VN" sz="2000" dirty="0" smtClean="0"/>
+              <a:t>.</a:t>
+            </a:r>
+            <a:endParaRPr lang="vi-VN" sz="2000" dirty="0"/>
           </a:p>
           <a:p>
             <a:pPr lvl="2">
@@ -7034,16 +7300,28 @@
               </a:spcAft>
             </a:pPr>
             <a:r>
-              <a:rPr lang="vi-VN" sz="2000" b="1" dirty="0"/>
-              <a:t>Invoker</a:t>
-            </a:r>
-            <a:r>
               <a:rPr lang="vi-VN" sz="2000" dirty="0"/>
-              <a:t> lưu trữ đối tượng </a:t>
-            </a:r>
-            <a:r>
-              <a:rPr lang="vi-VN" sz="2000" b="1" dirty="0"/>
-              <a:t>ConcreteCommand</a:t>
+              <a:t>Client sẽ khởi tạo ConcreteInterator và gọi phương </a:t>
+            </a:r>
+            <a:r>
+              <a:rPr lang="vi-VN" sz="2000" dirty="0" smtClean="0"/>
+              <a:t>thức</a:t>
+            </a:r>
+            <a:r>
+              <a:rPr lang="en-US" sz="2000" dirty="0" smtClean="0"/>
+              <a:t> </a:t>
+            </a:r>
+            <a:r>
+              <a:rPr lang="vi-VN" sz="2000" dirty="0" smtClean="0"/>
+              <a:t>CreateInterator</a:t>
+            </a:r>
+            <a:r>
+              <a:rPr lang="vi-VN" sz="2000" dirty="0"/>
+              <a:t>() để duyệt tập hợp</a:t>
+            </a:r>
+            <a:r>
+              <a:rPr lang="vi-VN" sz="2000" dirty="0" smtClean="0"/>
+              <a:t>.</a:t>
             </a:r>
             <a:endParaRPr lang="vi-VN" sz="2000" dirty="0"/>
           </a:p>
@@ -7060,124 +7338,13 @@
               </a:spcAft>
             </a:pPr>
             <a:r>
-              <a:rPr lang="vi-VN" sz="2000" b="1" dirty="0"/>
-              <a:t>Invoker</a:t>
-            </a:r>
-            <a:r>
               <a:rPr lang="vi-VN" sz="2000" dirty="0"/>
-              <a:t> đưa ra một yêu cầu bằng cách gọi các lệnh trong giao diện </a:t>
-            </a:r>
-            <a:r>
-              <a:rPr lang="vi-VN" sz="2000" i="1" dirty="0"/>
-              <a:t>Execute</a:t>
-            </a:r>
-            <a:r>
-              <a:rPr lang="vi-VN" sz="2000" dirty="0"/>
-              <a:t>. Khi lệnh là </a:t>
-            </a:r>
-            <a:r>
-              <a:rPr lang="vi-VN" sz="2000" i="1" dirty="0"/>
-              <a:t>Undo</a:t>
-            </a:r>
-            <a:r>
-              <a:rPr lang="vi-VN" sz="2000" dirty="0"/>
-              <a:t>, </a:t>
-            </a:r>
-            <a:r>
-              <a:rPr lang="vi-VN" sz="2000" b="1" dirty="0"/>
-              <a:t>ConcreteCommand</a:t>
-            </a:r>
-            <a:r>
-              <a:rPr lang="vi-VN" sz="2000" dirty="0"/>
-              <a:t> lưu trữ trạng thái để chuẩn bị thực hiện </a:t>
-            </a:r>
-            <a:r>
-              <a:rPr lang="vi-VN" sz="2000" i="1" dirty="0"/>
-              <a:t>Undo</a:t>
-            </a:r>
-            <a:endParaRPr lang="vi-VN" sz="2000" dirty="0"/>
-          </a:p>
-          <a:p>
-            <a:pPr lvl="2">
-              <a:lnSpc>
-                <a:spcPct val="150000"/>
-              </a:lnSpc>
-              <a:spcBef>
-                <a:spcPts val="0"/>
-              </a:spcBef>
-              <a:spcAft>
-                <a:spcPts val="0"/>
-              </a:spcAft>
-            </a:pPr>
-            <a:r>
-              <a:rPr lang="vi-VN" sz="2000" dirty="0"/>
-              <a:t>Đối tượng </a:t>
-            </a:r>
-            <a:r>
-              <a:rPr lang="vi-VN" sz="2000" b="1" dirty="0"/>
-              <a:t>ConcreteCommand</a:t>
-            </a:r>
-            <a:r>
-              <a:rPr lang="vi-VN" sz="2000" dirty="0"/>
-              <a:t> gọi các phương thức từ </a:t>
-            </a:r>
-            <a:r>
-              <a:rPr lang="vi-VN" sz="2000" i="1" dirty="0"/>
-              <a:t>receiver</a:t>
-            </a:r>
-            <a:r>
-              <a:rPr lang="vi-VN" sz="2000" dirty="0"/>
-              <a:t> để đáp ứng các </a:t>
-            </a:r>
-            <a:r>
-              <a:rPr lang="vi-VN" sz="2000" i="1" dirty="0" smtClean="0"/>
-              <a:t>request</a:t>
+              <a:t>Hàm CreateIterator() sẽ tạo ra một thể hiện của Interace IIterator.</a:t>
             </a:r>
             <a:endParaRPr lang="en-US" sz="2000" dirty="0"/>
           </a:p>
         </p:txBody>
       </p:sp>
-      <p:pic>
-        <p:nvPicPr>
-          <p:cNvPr id="2052" name="Picture 4" descr="https://nixforest.files.wordpress.com/2010/12/image2.png"/>
-          <p:cNvPicPr>
-            <a:picLocks noChangeAspect="1" noChangeArrowheads="1"/>
-          </p:cNvPicPr>
-          <p:nvPr/>
-        </p:nvPicPr>
-        <p:blipFill>
-          <a:blip r:embed="rId3">
-            <a:extLst>
-              <a:ext uri="{28A0092B-C50C-407E-A947-70E740481C1C}">
-                <a14:useLocalDpi xmlns:a14="http://schemas.microsoft.com/office/drawing/2010/main" val="0"/>
-              </a:ext>
-            </a:extLst>
-          </a:blip>
-          <a:srcRect/>
-          <a:stretch>
-            <a:fillRect/>
-          </a:stretch>
-        </p:blipFill>
-        <p:spPr bwMode="auto">
-          <a:xfrm>
-            <a:off x="227012" y="2480566"/>
-            <a:ext cx="5219569" cy="3082033"/>
-          </a:xfrm>
-          <a:prstGeom prst="rect">
-            <a:avLst/>
-          </a:prstGeom>
-          <a:noFill/>
-          <a:extLst>
-            <a:ext uri="{909E8E84-426E-40DD-AFC4-6F175D3DCCD1}">
-              <a14:hiddenFill xmlns:a14="http://schemas.microsoft.com/office/drawing/2010/main">
-                <a:solidFill>
-                  <a:srgbClr val="FFFFFF"/>
-                </a:solidFill>
-              </a14:hiddenFill>
-            </a:ext>
-          </a:extLst>
-        </p:spPr>
-      </p:pic>
     </p:spTree>
     <p:extLst>
       <p:ext uri="{BB962C8B-B14F-4D97-AF65-F5344CB8AC3E}">
@@ -7318,6 +7485,82 @@
               <a:rPr lang="vi-VN" dirty="0" smtClean="0"/>
               <a:t>giản</a:t>
             </a:r>
+            <a:endParaRPr lang="en-US" dirty="0" smtClean="0"/>
+          </a:p>
+          <a:p>
+            <a:pPr fontAlgn="base">
+              <a:lnSpc>
+                <a:spcPct val="150000"/>
+              </a:lnSpc>
+              <a:spcBef>
+                <a:spcPts val="0"/>
+              </a:spcBef>
+              <a:spcAft>
+                <a:spcPts val="0"/>
+              </a:spcAft>
+              <a:buFont typeface="Courier New" panose="02070309020205020404" pitchFamily="49" charset="0"/>
+              <a:buChar char="o"/>
+            </a:pPr>
+            <a:r>
+              <a:rPr lang="en-US" dirty="0" smtClean="0"/>
+              <a:t> </a:t>
+            </a:r>
+            <a:r>
+              <a:rPr lang="vi-VN" dirty="0" smtClean="0"/>
+              <a:t>Hỗ </a:t>
+            </a:r>
+            <a:r>
+              <a:rPr lang="vi-VN" dirty="0"/>
+              <a:t>trợ nhiều cách thức duyệt một tập hợp</a:t>
+            </a:r>
+            <a:r>
+              <a:rPr lang="vi-VN" dirty="0" smtClean="0"/>
+              <a:t>.</a:t>
+            </a:r>
+            <a:endParaRPr lang="en-US" dirty="0" smtClean="0"/>
+          </a:p>
+          <a:p>
+            <a:pPr fontAlgn="base">
+              <a:lnSpc>
+                <a:spcPct val="150000"/>
+              </a:lnSpc>
+              <a:spcBef>
+                <a:spcPts val="0"/>
+              </a:spcBef>
+              <a:spcAft>
+                <a:spcPts val="0"/>
+              </a:spcAft>
+              <a:buFont typeface="Courier New" panose="02070309020205020404" pitchFamily="49" charset="0"/>
+              <a:buChar char="o"/>
+            </a:pPr>
+            <a:r>
+              <a:rPr lang="en-US" dirty="0" smtClean="0"/>
+              <a:t> </a:t>
+            </a:r>
+            <a:r>
+              <a:rPr lang="vi-VN" dirty="0" smtClean="0"/>
+              <a:t>Cho </a:t>
+            </a:r>
+            <a:r>
+              <a:rPr lang="vi-VN" dirty="0"/>
+              <a:t>phép truy xuất nội dung của một tập hợp mà không cần biết </a:t>
+            </a:r>
+            <a:r>
+              <a:rPr lang="vi-VN" dirty="0" smtClean="0"/>
+              <a:t>cấu</a:t>
+            </a:r>
+            <a:r>
+              <a:rPr lang="en-US" dirty="0" smtClean="0"/>
+              <a:t> </a:t>
+            </a:r>
+            <a:r>
+              <a:rPr lang="vi-VN" dirty="0" smtClean="0"/>
+              <a:t>trúc </a:t>
+            </a:r>
+            <a:r>
+              <a:rPr lang="vi-VN" dirty="0"/>
+              <a:t>bên trong của tập hợp.</a:t>
+            </a:r>
             <a:endParaRPr lang="vi-VN" dirty="0"/>
           </a:p>
         </p:txBody>
@@ -7412,64 +7655,6 @@
                 <a:spcPts val="0"/>
               </a:spcAft>
             </a:pPr>
-            <a:r>
-              <a:rPr lang="en-US" dirty="0" smtClean="0"/>
-              <a:t>Có 2 cách cài đặt Adapter</a:t>
-            </a:r>
-          </a:p>
-          <a:p>
-            <a:pPr>
-              <a:lnSpc>
-                <a:spcPct val="150000"/>
-              </a:lnSpc>
-              <a:spcBef>
-                <a:spcPts val="0"/>
-              </a:spcBef>
-              <a:spcAft>
-                <a:spcPts val="0"/>
-              </a:spcAft>
-              <a:buFont typeface="Courier New" panose="02070309020205020404" pitchFamily="49" charset="0"/>
-              <a:buChar char="o"/>
-            </a:pPr>
-            <a:r>
-              <a:rPr lang="en-US" dirty="0" smtClean="0"/>
-              <a:t> </a:t>
-            </a:r>
-            <a:r>
-              <a:rPr lang="en-US" dirty="0"/>
-              <a:t>Tiếp hợp lớp (dùng thừa kế – inheritance</a:t>
-            </a:r>
-            <a:r>
-              <a:rPr lang="en-US" dirty="0" smtClean="0"/>
-              <a:t>)</a:t>
-            </a:r>
-          </a:p>
-          <a:p>
-            <a:pPr>
-              <a:lnSpc>
-                <a:spcPct val="150000"/>
-              </a:lnSpc>
-              <a:spcBef>
-                <a:spcPts val="0"/>
-              </a:spcBef>
-              <a:spcAft>
-                <a:spcPts val="0"/>
-              </a:spcAft>
-              <a:buFont typeface="Courier New" panose="02070309020205020404" pitchFamily="49" charset="0"/>
-              <a:buChar char="o"/>
-            </a:pPr>
-            <a:r>
-              <a:rPr lang="en-US" dirty="0" smtClean="0"/>
-              <a:t> </a:t>
-            </a:r>
-            <a:r>
-              <a:rPr lang="vi-VN" dirty="0" smtClean="0"/>
-              <a:t>Tiếp </a:t>
-            </a:r>
-            <a:r>
-              <a:rPr lang="vi-VN" dirty="0"/>
-              <a:t>hợp đối tượng (dùng tích hợp – composition)</a:t>
-            </a:r>
             <a:endParaRPr lang="en-US" dirty="0" smtClean="0"/>
           </a:p>
         </p:txBody>
